--- a/images/restaurantSearcherP.pptx
+++ b/images/restaurantSearcherP.pptx
@@ -108,6 +108,11 @@
       </a:defRPr>
     </a:lvl9pPr>
   </p:defaultTextStyle>
+  <p:extLst>
+    <p:ext uri="{EFAFB233-063F-42B5-8137-9DF3F51BA10A}">
+      <p15:sldGuideLst xmlns:p15="http://schemas.microsoft.com/office/powerpoint/2012/main"/>
+    </p:ext>
+  </p:extLst>
 </p:presentation>
 </file>
 
@@ -242,7 +247,7 @@
           <a:p>
             <a:fld id="{C2EBF42E-D1BD-4282-BEB0-AF08447943C1}" type="datetimeFigureOut">
               <a:rPr lang="en-US" smtClean="0"/>
-              <a:t>7/29/2017</a:t>
+              <a:t>8/16/2017</a:t>
             </a:fld>
             <a:endParaRPr lang="en-US"/>
           </a:p>
@@ -412,7 +417,7 @@
           <a:p>
             <a:fld id="{C2EBF42E-D1BD-4282-BEB0-AF08447943C1}" type="datetimeFigureOut">
               <a:rPr lang="en-US" smtClean="0"/>
-              <a:t>7/29/2017</a:t>
+              <a:t>8/16/2017</a:t>
             </a:fld>
             <a:endParaRPr lang="en-US"/>
           </a:p>
@@ -592,7 +597,7 @@
           <a:p>
             <a:fld id="{C2EBF42E-D1BD-4282-BEB0-AF08447943C1}" type="datetimeFigureOut">
               <a:rPr lang="en-US" smtClean="0"/>
-              <a:t>7/29/2017</a:t>
+              <a:t>8/16/2017</a:t>
             </a:fld>
             <a:endParaRPr lang="en-US"/>
           </a:p>
@@ -762,7 +767,7 @@
           <a:p>
             <a:fld id="{C2EBF42E-D1BD-4282-BEB0-AF08447943C1}" type="datetimeFigureOut">
               <a:rPr lang="en-US" smtClean="0"/>
-              <a:t>7/29/2017</a:t>
+              <a:t>8/16/2017</a:t>
             </a:fld>
             <a:endParaRPr lang="en-US"/>
           </a:p>
@@ -1008,7 +1013,7 @@
           <a:p>
             <a:fld id="{C2EBF42E-D1BD-4282-BEB0-AF08447943C1}" type="datetimeFigureOut">
               <a:rPr lang="en-US" smtClean="0"/>
-              <a:t>7/29/2017</a:t>
+              <a:t>8/16/2017</a:t>
             </a:fld>
             <a:endParaRPr lang="en-US"/>
           </a:p>
@@ -1240,7 +1245,7 @@
           <a:p>
             <a:fld id="{C2EBF42E-D1BD-4282-BEB0-AF08447943C1}" type="datetimeFigureOut">
               <a:rPr lang="en-US" smtClean="0"/>
-              <a:t>7/29/2017</a:t>
+              <a:t>8/16/2017</a:t>
             </a:fld>
             <a:endParaRPr lang="en-US"/>
           </a:p>
@@ -1607,7 +1612,7 @@
           <a:p>
             <a:fld id="{C2EBF42E-D1BD-4282-BEB0-AF08447943C1}" type="datetimeFigureOut">
               <a:rPr lang="en-US" smtClean="0"/>
-              <a:t>7/29/2017</a:t>
+              <a:t>8/16/2017</a:t>
             </a:fld>
             <a:endParaRPr lang="en-US"/>
           </a:p>
@@ -1725,7 +1730,7 @@
           <a:p>
             <a:fld id="{C2EBF42E-D1BD-4282-BEB0-AF08447943C1}" type="datetimeFigureOut">
               <a:rPr lang="en-US" smtClean="0"/>
-              <a:t>7/29/2017</a:t>
+              <a:t>8/16/2017</a:t>
             </a:fld>
             <a:endParaRPr lang="en-US"/>
           </a:p>
@@ -1820,7 +1825,7 @@
           <a:p>
             <a:fld id="{C2EBF42E-D1BD-4282-BEB0-AF08447943C1}" type="datetimeFigureOut">
               <a:rPr lang="en-US" smtClean="0"/>
-              <a:t>7/29/2017</a:t>
+              <a:t>8/16/2017</a:t>
             </a:fld>
             <a:endParaRPr lang="en-US"/>
           </a:p>
@@ -2097,7 +2102,7 @@
           <a:p>
             <a:fld id="{C2EBF42E-D1BD-4282-BEB0-AF08447943C1}" type="datetimeFigureOut">
               <a:rPr lang="en-US" smtClean="0"/>
-              <a:t>7/29/2017</a:t>
+              <a:t>8/16/2017</a:t>
             </a:fld>
             <a:endParaRPr lang="en-US"/>
           </a:p>
@@ -2350,7 +2355,7 @@
           <a:p>
             <a:fld id="{C2EBF42E-D1BD-4282-BEB0-AF08447943C1}" type="datetimeFigureOut">
               <a:rPr lang="en-US" smtClean="0"/>
-              <a:t>7/29/2017</a:t>
+              <a:t>8/16/2017</a:t>
             </a:fld>
             <a:endParaRPr lang="en-US"/>
           </a:p>
@@ -2563,7 +2568,7 @@
           <a:p>
             <a:fld id="{C2EBF42E-D1BD-4282-BEB0-AF08447943C1}" type="datetimeFigureOut">
               <a:rPr lang="en-US" smtClean="0"/>
-              <a:t>7/29/2017</a:t>
+              <a:t>8/16/2017</a:t>
             </a:fld>
             <a:endParaRPr lang="en-US"/>
           </a:p>
@@ -3182,43 +3187,26 @@
       </p:grpSpPr>
       <p:pic>
         <p:nvPicPr>
-          <p:cNvPr id="1028" name="Picture 4" descr="Find &#10;the best restaurants. ca •'s end bars &#10;Enter Ctty eg New Y &#10;searcn &#10;votes 4309 &#10;Cuisines: &#10;Avg. Cost tor W/o: &#10;Katz's Delicatessen &#10;New York City &#10;205 East Houston Street, New York 10002 &#10;Sandwich &#10;s 30 "/>
+          <p:cNvPr id="2" name="Picture 1"/>
           <p:cNvPicPr>
-            <a:picLocks noChangeAspect="1" noChangeArrowheads="1"/>
+            <a:picLocks noChangeAspect="1"/>
           </p:cNvPicPr>
           <p:nvPr/>
         </p:nvPicPr>
         <p:blipFill>
-          <a:blip r:embed="rId2">
-            <a:extLst>
-              <a:ext uri="{28A0092B-C50C-407E-A947-70E740481C1C}">
-                <a14:useLocalDpi xmlns:a14="http://schemas.microsoft.com/office/drawing/2010/main" val="0"/>
-              </a:ext>
-            </a:extLst>
-          </a:blip>
-          <a:srcRect/>
+          <a:blip r:embed="rId2"/>
           <a:stretch>
             <a:fillRect/>
           </a:stretch>
         </p:blipFill>
-        <p:spPr bwMode="auto">
+        <p:spPr>
           <a:xfrm>
-            <a:off x="128789" y="417691"/>
-            <a:ext cx="11951594" cy="6202050"/>
+            <a:off x="106539" y="412123"/>
+            <a:ext cx="11832176" cy="6310649"/>
           </a:xfrm>
           <a:prstGeom prst="rect">
             <a:avLst/>
           </a:prstGeom>
-          <a:noFill/>
-          <a:extLst>
-            <a:ext uri="{909E8E84-426E-40DD-AFC4-6F175D3DCCD1}">
-              <a14:hiddenFill xmlns:a14="http://schemas.microsoft.com/office/drawing/2010/main">
-                <a:solidFill>
-                  <a:srgbClr val="FFFFFF"/>
-                </a:solidFill>
-              </a14:hiddenFill>
-            </a:ext>
-          </a:extLst>
         </p:spPr>
       </p:pic>
     </p:spTree>
